--- a/Vulnerabilities/AndroidJavascript/AndroidAndJavaScript.pptx
+++ b/Vulnerabilities/AndroidJavascript/AndroidAndJavaScript.pptx
@@ -112,7 +112,7 @@
   </p:defaultTextStyle>
   <p:extLst>
     <p:ext uri="{EFAFB233-063F-42B5-8137-9DF3F51BA10A}">
-      <p15:sldGuideLst xmlns:p15="http://schemas.microsoft.com/office/powerpoint/2012/main"/>
+      <p15:sldGuideLst xmlns:p15="http://schemas.microsoft.com/office/powerpoint/2012/main" xmlns=""/>
     </p:ext>
   </p:extLst>
 </p:presentation>
@@ -251,7 +251,7 @@
           <a:p>
             <a:fld id="{D1C5A854-3A0C-43B7-AE6D-AB817FE73E17}" type="datetimeFigureOut">
               <a:rPr lang="en-US" smtClean="0"/>
-              <a:t>4/17/2017</a:t>
+              <a:t>7/4/18</a:t>
             </a:fld>
             <a:endParaRPr lang="en-US"/>
           </a:p>
@@ -419,7 +419,7 @@
           <a:p>
             <a:fld id="{D1C5A854-3A0C-43B7-AE6D-AB817FE73E17}" type="datetimeFigureOut">
               <a:rPr lang="en-US" smtClean="0"/>
-              <a:t>4/17/2017</a:t>
+              <a:t>7/4/18</a:t>
             </a:fld>
             <a:endParaRPr lang="en-US"/>
           </a:p>
@@ -597,7 +597,7 @@
           <a:p>
             <a:fld id="{D1C5A854-3A0C-43B7-AE6D-AB817FE73E17}" type="datetimeFigureOut">
               <a:rPr lang="en-US" smtClean="0"/>
-              <a:t>4/17/2017</a:t>
+              <a:t>7/4/18</a:t>
             </a:fld>
             <a:endParaRPr lang="en-US"/>
           </a:p>
@@ -1101,7 +1101,7 @@
           <a:p>
             <a:fld id="{D1C5A854-3A0C-43B7-AE6D-AB817FE73E17}" type="datetimeFigureOut">
               <a:rPr lang="en-US" smtClean="0"/>
-              <a:t>4/17/2017</a:t>
+              <a:t>7/4/18</a:t>
             </a:fld>
             <a:endParaRPr lang="en-US"/>
           </a:p>
@@ -1330,7 +1330,7 @@
           <a:p>
             <a:fld id="{D1C5A854-3A0C-43B7-AE6D-AB817FE73E17}" type="datetimeFigureOut">
               <a:rPr lang="en-US" smtClean="0"/>
-              <a:t>4/17/2017</a:t>
+              <a:t>7/4/18</a:t>
             </a:fld>
             <a:endParaRPr lang="en-US"/>
           </a:p>
@@ -1694,7 +1694,7 @@
           <a:p>
             <a:fld id="{D1C5A854-3A0C-43B7-AE6D-AB817FE73E17}" type="datetimeFigureOut">
               <a:rPr lang="en-US" smtClean="0"/>
-              <a:t>4/17/2017</a:t>
+              <a:t>7/4/18</a:t>
             </a:fld>
             <a:endParaRPr lang="en-US"/>
           </a:p>
@@ -1811,7 +1811,7 @@
           <a:p>
             <a:fld id="{D1C5A854-3A0C-43B7-AE6D-AB817FE73E17}" type="datetimeFigureOut">
               <a:rPr lang="en-US" smtClean="0"/>
-              <a:t>4/17/2017</a:t>
+              <a:t>7/4/18</a:t>
             </a:fld>
             <a:endParaRPr lang="en-US"/>
           </a:p>
@@ -1906,7 +1906,7 @@
           <a:p>
             <a:fld id="{D1C5A854-3A0C-43B7-AE6D-AB817FE73E17}" type="datetimeFigureOut">
               <a:rPr lang="en-US" smtClean="0"/>
-              <a:t>4/17/2017</a:t>
+              <a:t>7/4/18</a:t>
             </a:fld>
             <a:endParaRPr lang="en-US"/>
           </a:p>
@@ -2181,7 +2181,7 @@
           <a:p>
             <a:fld id="{D1C5A854-3A0C-43B7-AE6D-AB817FE73E17}" type="datetimeFigureOut">
               <a:rPr lang="en-US" smtClean="0"/>
-              <a:t>4/17/2017</a:t>
+              <a:t>7/4/18</a:t>
             </a:fld>
             <a:endParaRPr lang="en-US"/>
           </a:p>
@@ -2433,7 +2433,7 @@
           <a:p>
             <a:fld id="{D1C5A854-3A0C-43B7-AE6D-AB817FE73E17}" type="datetimeFigureOut">
               <a:rPr lang="en-US" smtClean="0"/>
-              <a:t>4/17/2017</a:t>
+              <a:t>7/4/18</a:t>
             </a:fld>
             <a:endParaRPr lang="en-US"/>
           </a:p>
@@ -2644,7 +2644,7 @@
           <a:p>
             <a:fld id="{D1C5A854-3A0C-43B7-AE6D-AB817FE73E17}" type="datetimeFigureOut">
               <a:rPr lang="en-US" smtClean="0"/>
-              <a:t>4/17/2017</a:t>
+              <a:t>7/4/18</a:t>
             </a:fld>
             <a:endParaRPr lang="en-US"/>
           </a:p>
@@ -3930,7 +3930,7 @@
     </a:clrScheme>
     <a:fontScheme name="Office">
       <a:majorFont>
-        <a:latin typeface="Calibri Light" panose="020F0302020204030204"/>
+        <a:latin typeface="Calibri Light"/>
         <a:ea typeface=""/>
         <a:cs typeface=""/>
         <a:font script="Jpan" typeface="游ゴシック Light"/>
@@ -3982,7 +3982,7 @@
         <a:font script="Tfng" typeface="Ebrima"/>
       </a:majorFont>
       <a:minorFont>
-        <a:latin typeface="Calibri" panose="020F0502020204030204"/>
+        <a:latin typeface="Calibri"/>
         <a:ea typeface=""/>
         <a:cs typeface=""/>
         <a:font script="Jpan" typeface="游ゴシック"/>
@@ -4176,7 +4176,7 @@
   <a:extraClrSchemeLst/>
   <a:extLst>
     <a:ext uri="{05A4C25C-085E-4340-85A3-A5531E510DB2}">
-      <thm15:themeFamily xmlns:thm15="http://schemas.microsoft.com/office/thememl/2012/main" name="Office Theme" id="{62F939B6-93AF-4DB8-9C6B-D6C7DFDC589F}" vid="{4A3C46E8-61CC-4603-A589-7422A47A8E4A}"/>
+      <thm15:themeFamily xmlns:thm15="http://schemas.microsoft.com/office/thememl/2012/main" xmlns="" name="Office Theme" id="{62F939B6-93AF-4DB8-9C6B-D6C7DFDC589F}" vid="{4A3C46E8-61CC-4603-A589-7422A47A8E4A}"/>
     </a:ext>
   </a:extLst>
 </a:theme>
